--- a/one-pager.pptx
+++ b/one-pager.pptx
@@ -1926,7 +1926,7 @@
           <a:p>
             <a:fld id="{DBB08E1A-FFFC-4719-85E6-DF60F7D6C74D}" type="datetimeFigureOut">
               <a:rPr lang="en-US" smtClean="0"/>
-              <a:t>9/18/2021</a:t>
+              <a:t>9/19/2021</a:t>
             </a:fld>
             <a:endParaRPr lang="en-US"/>
           </a:p>
@@ -2096,7 +2096,7 @@
           <a:p>
             <a:fld id="{DBB08E1A-FFFC-4719-85E6-DF60F7D6C74D}" type="datetimeFigureOut">
               <a:rPr lang="en-US" smtClean="0"/>
-              <a:t>9/18/2021</a:t>
+              <a:t>9/19/2021</a:t>
             </a:fld>
             <a:endParaRPr lang="en-US"/>
           </a:p>
@@ -2276,7 +2276,7 @@
           <a:p>
             <a:fld id="{DBB08E1A-FFFC-4719-85E6-DF60F7D6C74D}" type="datetimeFigureOut">
               <a:rPr lang="en-US" smtClean="0"/>
-              <a:t>9/18/2021</a:t>
+              <a:t>9/19/2021</a:t>
             </a:fld>
             <a:endParaRPr lang="en-US"/>
           </a:p>
@@ -2446,7 +2446,7 @@
           <a:p>
             <a:fld id="{DBB08E1A-FFFC-4719-85E6-DF60F7D6C74D}" type="datetimeFigureOut">
               <a:rPr lang="en-US" smtClean="0"/>
-              <a:t>9/18/2021</a:t>
+              <a:t>9/19/2021</a:t>
             </a:fld>
             <a:endParaRPr lang="en-US"/>
           </a:p>
@@ -2690,7 +2690,7 @@
           <a:p>
             <a:fld id="{DBB08E1A-FFFC-4719-85E6-DF60F7D6C74D}" type="datetimeFigureOut">
               <a:rPr lang="en-US" smtClean="0"/>
-              <a:t>9/18/2021</a:t>
+              <a:t>9/19/2021</a:t>
             </a:fld>
             <a:endParaRPr lang="en-US"/>
           </a:p>
@@ -2922,7 +2922,7 @@
           <a:p>
             <a:fld id="{DBB08E1A-FFFC-4719-85E6-DF60F7D6C74D}" type="datetimeFigureOut">
               <a:rPr lang="en-US" smtClean="0"/>
-              <a:t>9/18/2021</a:t>
+              <a:t>9/19/2021</a:t>
             </a:fld>
             <a:endParaRPr lang="en-US"/>
           </a:p>
@@ -3289,7 +3289,7 @@
           <a:p>
             <a:fld id="{DBB08E1A-FFFC-4719-85E6-DF60F7D6C74D}" type="datetimeFigureOut">
               <a:rPr lang="en-US" smtClean="0"/>
-              <a:t>9/18/2021</a:t>
+              <a:t>9/19/2021</a:t>
             </a:fld>
             <a:endParaRPr lang="en-US"/>
           </a:p>
@@ -3407,7 +3407,7 @@
           <a:p>
             <a:fld id="{DBB08E1A-FFFC-4719-85E6-DF60F7D6C74D}" type="datetimeFigureOut">
               <a:rPr lang="en-US" smtClean="0"/>
-              <a:t>9/18/2021</a:t>
+              <a:t>9/19/2021</a:t>
             </a:fld>
             <a:endParaRPr lang="en-US"/>
           </a:p>
@@ -3502,7 +3502,7 @@
           <a:p>
             <a:fld id="{DBB08E1A-FFFC-4719-85E6-DF60F7D6C74D}" type="datetimeFigureOut">
               <a:rPr lang="en-US" smtClean="0"/>
-              <a:t>9/18/2021</a:t>
+              <a:t>9/19/2021</a:t>
             </a:fld>
             <a:endParaRPr lang="en-US"/>
           </a:p>
@@ -3779,7 +3779,7 @@
           <a:p>
             <a:fld id="{DBB08E1A-FFFC-4719-85E6-DF60F7D6C74D}" type="datetimeFigureOut">
               <a:rPr lang="en-US" smtClean="0"/>
-              <a:t>9/18/2021</a:t>
+              <a:t>9/19/2021</a:t>
             </a:fld>
             <a:endParaRPr lang="en-US"/>
           </a:p>
@@ -4036,7 +4036,7 @@
           <a:p>
             <a:fld id="{DBB08E1A-FFFC-4719-85E6-DF60F7D6C74D}" type="datetimeFigureOut">
               <a:rPr lang="en-US" smtClean="0"/>
-              <a:t>9/18/2021</a:t>
+              <a:t>9/19/2021</a:t>
             </a:fld>
             <a:endParaRPr lang="en-US"/>
           </a:p>
@@ -4249,7 +4249,7 @@
           <a:p>
             <a:fld id="{DBB08E1A-FFFC-4719-85E6-DF60F7D6C74D}" type="datetimeFigureOut">
               <a:rPr lang="en-US" smtClean="0"/>
-              <a:t>9/18/2021</a:t>
+              <a:t>9/19/2021</a:t>
             </a:fld>
             <a:endParaRPr lang="en-US"/>
           </a:p>
@@ -4728,10 +4728,10 @@
         </p:nvGrpSpPr>
         <p:grpSpPr>
           <a:xfrm>
-            <a:off x="346603" y="1118453"/>
-            <a:ext cx="6287325" cy="2846352"/>
-            <a:chOff x="357127" y="1702269"/>
-            <a:chExt cx="5263003" cy="2627401"/>
+            <a:off x="346603" y="966205"/>
+            <a:ext cx="6253363" cy="2824040"/>
+            <a:chOff x="357127" y="1561733"/>
+            <a:chExt cx="5234574" cy="2606805"/>
           </a:xfrm>
         </p:grpSpPr>
         <p:grpSp>
@@ -4748,10 +4748,10 @@
           </p:nvGrpSpPr>
           <p:grpSpPr>
             <a:xfrm>
-              <a:off x="728627" y="3392135"/>
-              <a:ext cx="2476257" cy="937535"/>
-              <a:chOff x="9098245" y="5592884"/>
-              <a:chExt cx="4160107" cy="1575055"/>
+              <a:off x="436067" y="3337117"/>
+              <a:ext cx="2562699" cy="653433"/>
+              <a:chOff x="8606745" y="5500456"/>
+              <a:chExt cx="4305329" cy="1097765"/>
             </a:xfrm>
           </p:grpSpPr>
           <p:pic>
@@ -4782,7 +4782,7 @@
             </p:blipFill>
             <p:spPr>
               <a:xfrm rot="20380527">
-                <a:off x="9098245" y="5728063"/>
+                <a:off x="8606745" y="5612288"/>
                 <a:ext cx="949352" cy="949351"/>
               </a:xfrm>
               <a:prstGeom prst="rect">
@@ -4804,8 +4804,8 @@
             </p:nvSpPr>
             <p:spPr>
               <a:xfrm>
-                <a:off x="9817693" y="5592884"/>
-                <a:ext cx="3440659" cy="1575055"/>
+                <a:off x="9471415" y="5500456"/>
+                <a:ext cx="3440659" cy="1097765"/>
               </a:xfrm>
               <a:prstGeom prst="rect">
                 <a:avLst/>
@@ -4836,7 +4836,7 @@
                   <a:defRPr/>
                 </a:pPr>
                 <a:r>
-                  <a:rPr kumimoji="0" lang="en-US" sz="1200" b="1" i="0" u="none" strike="noStrike" kern="1200" cap="none" spc="0" normalizeH="0" baseline="0" noProof="0" dirty="0">
+                  <a:rPr kumimoji="0" lang="en-US" sz="1000" b="1" i="0" u="none" strike="noStrike" kern="1200" cap="none" spc="0" normalizeH="0" baseline="0" noProof="0" dirty="0">
                     <a:ln>
                       <a:noFill/>
                     </a:ln>
@@ -4853,7 +4853,7 @@
                   <a:t>Crypto Payment Gateway (Anonymous CPG):</a:t>
                 </a:r>
                 <a:br>
-                  <a:rPr kumimoji="0" lang="en-US" sz="1200" b="1" i="0" u="none" strike="noStrike" kern="1200" cap="none" spc="0" normalizeH="0" baseline="0" noProof="0" dirty="0">
+                  <a:rPr kumimoji="0" lang="en-US" sz="1000" b="1" i="0" u="none" strike="noStrike" kern="1200" cap="none" spc="0" normalizeH="0" baseline="0" noProof="0" dirty="0">
                     <a:ln>
                       <a:noFill/>
                     </a:ln>
@@ -4869,7 +4869,7 @@
                   </a:rPr>
                 </a:br>
                 <a:r>
-                  <a:rPr kumimoji="0" lang="en-US" sz="1200" b="0" i="0" u="none" strike="noStrike" kern="1200" cap="none" spc="0" normalizeH="0" baseline="0" noProof="0" dirty="0">
+                  <a:rPr kumimoji="0" lang="en-US" sz="1000" b="0" i="0" u="none" strike="noStrike" kern="1200" cap="none" spc="0" normalizeH="0" baseline="0" noProof="0" dirty="0">
                     <a:ln>
                       <a:noFill/>
                     </a:ln>
@@ -4903,10 +4903,10 @@
           </p:nvGrpSpPr>
           <p:grpSpPr>
             <a:xfrm>
-              <a:off x="3337333" y="3215807"/>
-              <a:ext cx="2282797" cy="937535"/>
-              <a:chOff x="2171664" y="7730692"/>
-              <a:chExt cx="3835094" cy="1575068"/>
+              <a:off x="3270433" y="3515106"/>
+              <a:ext cx="2321268" cy="653432"/>
+              <a:chOff x="2059272" y="8233530"/>
+              <a:chExt cx="3899726" cy="1097774"/>
             </a:xfrm>
           </p:grpSpPr>
           <p:pic>
@@ -4937,8 +4937,8 @@
             </p:blipFill>
             <p:spPr>
               <a:xfrm rot="1458507">
-                <a:off x="2171664" y="7871032"/>
-                <a:ext cx="929110" cy="798993"/>
+                <a:off x="2059272" y="8319682"/>
+                <a:ext cx="929109" cy="798994"/>
               </a:xfrm>
               <a:prstGeom prst="rect">
                 <a:avLst/>
@@ -4959,8 +4959,8 @@
             </p:nvSpPr>
             <p:spPr>
               <a:xfrm>
-                <a:off x="3027251" y="7730692"/>
-                <a:ext cx="2979507" cy="1575068"/>
+                <a:off x="2979492" y="8233530"/>
+                <a:ext cx="2979506" cy="1097774"/>
               </a:xfrm>
               <a:prstGeom prst="rect">
                 <a:avLst/>
@@ -4991,7 +4991,7 @@
                   <a:defRPr/>
                 </a:pPr>
                 <a:r>
-                  <a:rPr kumimoji="0" lang="pt-BR" sz="1200" b="1" i="0" u="none" strike="noStrike" kern="1200" cap="none" spc="0" normalizeH="0" baseline="0" noProof="0" dirty="0">
+                  <a:rPr kumimoji="0" lang="pt-BR" sz="1000" b="1" i="0" u="none" strike="noStrike" kern="1200" cap="none" spc="0" normalizeH="0" baseline="0" noProof="0" dirty="0">
                     <a:ln>
                       <a:noFill/>
                     </a:ln>
@@ -5005,25 +5005,28 @@
                     <a:ea typeface="Tahoma" panose="020B0604030504040204" pitchFamily="34" charset="0"/>
                     <a:cs typeface="Tahoma" panose="020B0604030504040204" pitchFamily="34" charset="0"/>
                   </a:rPr>
-                  <a:t>Crypto Exchange </a:t>
+                  <a:t>Crypto Exchange (No KYC CX)</a:t>
                 </a:r>
-                <a:endParaRPr kumimoji="0" lang="fa-IR" sz="1200" b="1" i="0" u="none" strike="noStrike" kern="1200" cap="none" spc="0" normalizeH="0" baseline="0" noProof="0" dirty="0">
-                  <a:ln>
-                    <a:noFill/>
-                  </a:ln>
-                  <a:solidFill>
-                    <a:schemeClr val="bg1"/>
-                  </a:solidFill>
-                  <a:effectLst/>
-                  <a:uLnTx/>
-                  <a:uFillTx/>
-                  <a:latin typeface="Maiandra GD" panose="020E0502030308020204" pitchFamily="34" charset="0"/>
-                  <a:ea typeface="Tahoma" panose="020B0604030504040204" pitchFamily="34" charset="0"/>
-                  <a:cs typeface="Tahoma" panose="020B0604030504040204" pitchFamily="34" charset="0"/>
-                </a:endParaRPr>
+                <a:r>
+                  <a:rPr kumimoji="0" lang="en-US" sz="1000" b="1" i="0" u="none" strike="noStrike" kern="1200" cap="none" spc="0" normalizeH="0" baseline="0" noProof="0" dirty="0">
+                    <a:ln>
+                      <a:noFill/>
+                    </a:ln>
+                    <a:solidFill>
+                      <a:schemeClr val="bg1"/>
+                    </a:solidFill>
+                    <a:effectLst/>
+                    <a:uLnTx/>
+                    <a:uFillTx/>
+                    <a:latin typeface="Maiandra GD" panose="020E0502030308020204" pitchFamily="34" charset="0"/>
+                    <a:ea typeface="Tahoma" panose="020B0604030504040204" pitchFamily="34" charset="0"/>
+                    <a:cs typeface="Tahoma" panose="020B0604030504040204" pitchFamily="34" charset="0"/>
+                  </a:rPr>
+                  <a:t>:</a:t>
+                </a:r>
               </a:p>
               <a:p>
-                <a:pPr marL="0" marR="0" lvl="0" indent="0" algn="just" defTabSz="914400" eaLnBrk="1" fontAlgn="auto" latinLnBrk="0" hangingPunct="1">
+                <a:pPr marL="0" marR="0" lvl="0" indent="0" defTabSz="914400" eaLnBrk="1" fontAlgn="auto" latinLnBrk="0" hangingPunct="1">
                   <a:lnSpc>
                     <a:spcPct val="100000"/>
                   </a:lnSpc>
@@ -5041,60 +5044,7 @@
                   <a:defRPr/>
                 </a:pPr>
                 <a:r>
-                  <a:rPr kumimoji="0" lang="pt-BR" sz="1200" b="1" i="0" u="none" strike="noStrike" kern="1200" cap="none" spc="0" normalizeH="0" baseline="0" noProof="0" dirty="0">
-                    <a:ln>
-                      <a:noFill/>
-                    </a:ln>
-                    <a:solidFill>
-                      <a:schemeClr val="bg1"/>
-                    </a:solidFill>
-                    <a:effectLst/>
-                    <a:uLnTx/>
-                    <a:uFillTx/>
-                    <a:latin typeface="Maiandra GD" panose="020E0502030308020204" pitchFamily="34" charset="0"/>
-                    <a:ea typeface="Tahoma" panose="020B0604030504040204" pitchFamily="34" charset="0"/>
-                    <a:cs typeface="Tahoma" panose="020B0604030504040204" pitchFamily="34" charset="0"/>
-                  </a:rPr>
-                  <a:t>(No KYC CX)</a:t>
-                </a:r>
-                <a:r>
-                  <a:rPr kumimoji="0" lang="en-US" sz="1200" b="1" i="0" u="none" strike="noStrike" kern="1200" cap="none" spc="0" normalizeH="0" baseline="0" noProof="0" dirty="0">
-                    <a:ln>
-                      <a:noFill/>
-                    </a:ln>
-                    <a:solidFill>
-                      <a:schemeClr val="bg1"/>
-                    </a:solidFill>
-                    <a:effectLst/>
-                    <a:uLnTx/>
-                    <a:uFillTx/>
-                    <a:latin typeface="Maiandra GD" panose="020E0502030308020204" pitchFamily="34" charset="0"/>
-                    <a:ea typeface="Tahoma" panose="020B0604030504040204" pitchFamily="34" charset="0"/>
-                    <a:cs typeface="Tahoma" panose="020B0604030504040204" pitchFamily="34" charset="0"/>
-                  </a:rPr>
-                  <a:t>:</a:t>
-                </a:r>
-              </a:p>
-              <a:p>
-                <a:pPr marL="0" marR="0" lvl="0" indent="0" algn="just" defTabSz="914400" eaLnBrk="1" fontAlgn="auto" latinLnBrk="0" hangingPunct="1">
-                  <a:lnSpc>
-                    <a:spcPct val="100000"/>
-                  </a:lnSpc>
-                  <a:spcBef>
-                    <a:spcPts val="0"/>
-                  </a:spcBef>
-                  <a:spcAft>
-                    <a:spcPts val="0"/>
-                  </a:spcAft>
-                  <a:buClrTx/>
-                  <a:buSzTx/>
-                  <a:buFontTx/>
-                  <a:buNone/>
-                  <a:tabLst/>
-                  <a:defRPr/>
-                </a:pPr>
-                <a:r>
-                  <a:rPr kumimoji="0" lang="fa-IR" sz="1200" b="1" i="0" u="none" strike="noStrike" kern="1200" cap="none" spc="0" normalizeH="0" baseline="0" noProof="0" dirty="0">
+                  <a:rPr kumimoji="0" lang="fa-IR" sz="1000" b="1" i="0" u="none" strike="noStrike" kern="1200" cap="none" spc="0" normalizeH="0" baseline="0" noProof="0" dirty="0">
                     <a:ln>
                       <a:noFill/>
                     </a:ln>
@@ -5111,7 +5061,7 @@
                   <a:t> </a:t>
                 </a:r>
                 <a:r>
-                  <a:rPr kumimoji="0" lang="en-US" sz="1200" b="0" i="0" u="none" strike="noStrike" kern="1200" cap="none" spc="0" normalizeH="0" baseline="0" noProof="0" dirty="0">
+                  <a:rPr kumimoji="0" lang="en-US" sz="1000" b="0" i="0" u="none" strike="noStrike" kern="1200" cap="none" spc="0" normalizeH="0" baseline="0" noProof="0" dirty="0">
                     <a:ln>
                       <a:noFill/>
                     </a:ln>
@@ -5128,7 +5078,7 @@
                   <a:t>C</a:t>
                 </a:r>
                 <a:r>
-                  <a:rPr kumimoji="0" lang="en-US" sz="1200" b="0" i="0" u="none" strike="noStrike" kern="1200" cap="none" spc="0" normalizeH="0" baseline="0" noProof="0" dirty="0">
+                  <a:rPr kumimoji="0" lang="en-US" sz="1000" b="0" i="0" u="none" strike="noStrike" kern="1200" cap="none" spc="0" normalizeH="0" baseline="0" noProof="0" dirty="0">
                     <a:ln>
                       <a:noFill/>
                     </a:ln>
@@ -5144,7 +5094,7 @@
                   </a:rPr>
                   <a:t>ryptocurrency and security token exchanges help better trading experience</a:t>
                 </a:r>
-                <a:endParaRPr kumimoji="0" lang="en-US" sz="1200" b="0" i="0" u="none" strike="noStrike" kern="1200" cap="none" spc="0" normalizeH="0" baseline="0" noProof="0" dirty="0">
+                <a:endParaRPr kumimoji="0" lang="en-US" sz="1000" b="0" i="0" u="none" strike="noStrike" kern="1200" cap="none" spc="0" normalizeH="0" baseline="0" noProof="0" dirty="0">
                   <a:ln>
                     <a:noFill/>
                   </a:ln>
@@ -5177,9 +5127,9 @@
           <p:grpSpPr>
             <a:xfrm>
               <a:off x="357127" y="1702269"/>
-              <a:ext cx="2786017" cy="1558284"/>
+              <a:ext cx="2786017" cy="1188951"/>
               <a:chOff x="-190145" y="1263075"/>
-              <a:chExt cx="4680501" cy="2617930"/>
+              <a:chExt cx="4680501" cy="1997449"/>
             </a:xfrm>
           </p:grpSpPr>
           <p:sp>
@@ -5197,7 +5147,7 @@
             <p:spPr>
               <a:xfrm>
                 <a:off x="512852" y="1446811"/>
-                <a:ext cx="3977504" cy="2434194"/>
+                <a:ext cx="3977504" cy="1813713"/>
               </a:xfrm>
               <a:prstGeom prst="rect">
                 <a:avLst/>
@@ -5228,7 +5178,7 @@
                   <a:defRPr/>
                 </a:pPr>
                 <a:r>
-                  <a:rPr kumimoji="0" lang="en-US" sz="1200" b="1" i="0" u="none" strike="noStrike" kern="1200" cap="none" spc="0" normalizeH="0" baseline="0" noProof="0" dirty="0">
+                  <a:rPr kumimoji="0" lang="en-US" sz="1000" b="1" i="0" u="none" strike="noStrike" kern="1200" cap="none" spc="0" normalizeH="0" baseline="0" noProof="0" dirty="0">
                     <a:ln>
                       <a:noFill/>
                     </a:ln>
@@ -5264,7 +5214,7 @@
                   <a:defRPr/>
                 </a:pPr>
                 <a:r>
-                  <a:rPr kumimoji="0" lang="en-US" sz="1200" b="0" i="0" u="none" strike="noStrike" kern="1200" cap="none" spc="0" normalizeH="0" baseline="0" noProof="0" dirty="0">
+                  <a:rPr kumimoji="0" lang="en-US" sz="1000" b="0" i="0" u="none" strike="noStrike" kern="1200" cap="none" spc="0" normalizeH="0" baseline="0" noProof="0" dirty="0">
                     <a:ln>
                       <a:noFill/>
                     </a:ln>
@@ -5281,7 +5231,7 @@
                   <a:t>Global security token offering and trade platform which makes fundraising and investment process inclusive and accessible </a:t>
                 </a:r>
                 <a:r>
-                  <a:rPr kumimoji="0" lang="en-US" sz="1200" b="0" i="0" u="none" strike="noStrike" kern="1200" cap="none" spc="0" normalizeH="0" baseline="0" noProof="0" dirty="0">
+                  <a:rPr kumimoji="0" lang="en-US" sz="1000" b="0" i="0" u="none" strike="noStrike" kern="1200" cap="none" spc="0" normalizeH="0" baseline="0" noProof="0" dirty="0">
                     <a:ln>
                       <a:noFill/>
                     </a:ln>
@@ -5298,7 +5248,7 @@
                   <a:t>based on </a:t>
                 </a:r>
                 <a:r>
-                  <a:rPr kumimoji="0" lang="en-US" sz="1200" b="1" i="0" u="none" strike="noStrike" kern="1200" cap="none" spc="0" normalizeH="0" baseline="0" noProof="0" dirty="0">
+                  <a:rPr kumimoji="0" lang="en-US" sz="1000" b="1" i="0" u="none" strike="noStrike" kern="1200" cap="none" spc="0" normalizeH="0" baseline="0" noProof="0" dirty="0">
                     <a:ln>
                       <a:noFill/>
                     </a:ln>
@@ -5368,10 +5318,10 @@
           </p:nvGrpSpPr>
           <p:grpSpPr>
             <a:xfrm>
-              <a:off x="3328816" y="1855034"/>
-              <a:ext cx="2088287" cy="917048"/>
-              <a:chOff x="6606324" y="-1710163"/>
-              <a:chExt cx="3764025" cy="1540627"/>
+              <a:off x="3335503" y="1561733"/>
+              <a:ext cx="2124828" cy="653433"/>
+              <a:chOff x="6618376" y="-2202904"/>
+              <a:chExt cx="3829887" cy="1097759"/>
             </a:xfrm>
           </p:grpSpPr>
           <p:sp>
@@ -5388,8 +5338,8 @@
             </p:nvSpPr>
             <p:spPr>
               <a:xfrm>
-                <a:off x="7277123" y="-1458209"/>
-                <a:ext cx="3093226" cy="1288673"/>
+                <a:off x="7355037" y="-2202904"/>
+                <a:ext cx="3093226" cy="1097759"/>
               </a:xfrm>
               <a:prstGeom prst="rect">
                 <a:avLst/>
@@ -5420,7 +5370,7 @@
                   <a:defRPr/>
                 </a:pPr>
                 <a:r>
-                  <a:rPr kumimoji="0" lang="en-US" sz="1200" b="1" i="0" u="none" strike="noStrike" kern="1200" cap="none" spc="0" normalizeH="0" baseline="0" noProof="0" dirty="0">
+                  <a:rPr kumimoji="0" lang="en-US" sz="1000" b="1" i="0" u="none" strike="noStrike" kern="1200" cap="none" spc="0" normalizeH="0" baseline="0" noProof="0" dirty="0">
                     <a:ln>
                       <a:noFill/>
                     </a:ln>
@@ -5456,7 +5406,7 @@
                   <a:defRPr/>
                 </a:pPr>
                 <a:r>
-                  <a:rPr kumimoji="0" lang="en-US" sz="1200" b="0" i="0" u="none" strike="noStrike" kern="1200" cap="none" spc="0" normalizeH="0" baseline="0" noProof="0" dirty="0">
+                  <a:rPr kumimoji="0" lang="en-US" sz="1000" b="0" i="0" u="none" strike="noStrike" kern="1200" cap="none" spc="0" normalizeH="0" baseline="0" noProof="0" dirty="0">
                     <a:ln>
                       <a:noFill/>
                     </a:ln>
@@ -5472,7 +5422,7 @@
                   </a:rPr>
                   <a:t>With our coins, people pay less for financial transactions in Bertinity eco system</a:t>
                 </a:r>
-                <a:endParaRPr kumimoji="0" lang="en-US" sz="1200" b="0" i="0" u="none" strike="noStrike" kern="1200" cap="none" spc="0" normalizeH="0" baseline="0" noProof="0" dirty="0">
+                <a:endParaRPr kumimoji="0" lang="en-US" sz="1000" b="0" i="0" u="none" strike="noStrike" kern="1200" cap="none" spc="0" normalizeH="0" baseline="0" noProof="0" dirty="0">
                   <a:ln>
                     <a:noFill/>
                   </a:ln>
@@ -5518,7 +5468,7 @@
             </p:blipFill>
             <p:spPr>
               <a:xfrm>
-                <a:off x="6606324" y="-1710163"/>
+                <a:off x="6618376" y="-2195940"/>
                 <a:ext cx="682577" cy="603177"/>
               </a:xfrm>
               <a:prstGeom prst="rect">
@@ -20120,6 +20070,157 @@
           </a:prstGeom>
         </p:spPr>
       </p:pic>
+      <p:sp>
+        <p:nvSpPr>
+          <p:cNvPr id="106" name="TextBox 105">
+            <a:extLst>
+              <a:ext uri="{FF2B5EF4-FFF2-40B4-BE49-F238E27FC236}">
+                <a16:creationId xmlns:a16="http://schemas.microsoft.com/office/drawing/2014/main" id="{A8715A28-DF5A-4C25-BB1E-DE354302F8E2}"/>
+              </a:ext>
+            </a:extLst>
+          </p:cNvPr>
+          <p:cNvSpPr txBox="1"/>
+          <p:nvPr/>
+        </p:nvSpPr>
+        <p:spPr>
+          <a:xfrm>
+            <a:off x="4261252" y="1819380"/>
+            <a:ext cx="2627292" cy="954107"/>
+          </a:xfrm>
+          <a:prstGeom prst="rect">
+            <a:avLst/>
+          </a:prstGeom>
+          <a:noFill/>
+        </p:spPr>
+        <p:txBody>
+          <a:bodyPr wrap="square">
+            <a:spAutoFit/>
+          </a:bodyPr>
+          <a:lstStyle/>
+          <a:p>
+            <a:pPr marL="0" marR="0" lvl="0" indent="0" algn="l" defTabSz="914400" rtl="0" eaLnBrk="1" fontAlgn="auto" latinLnBrk="0" hangingPunct="1">
+              <a:lnSpc>
+                <a:spcPct val="100000"/>
+              </a:lnSpc>
+              <a:spcBef>
+                <a:spcPts val="0"/>
+              </a:spcBef>
+              <a:spcAft>
+                <a:spcPts val="0"/>
+              </a:spcAft>
+              <a:buClrTx/>
+              <a:buSzTx/>
+              <a:buFontTx/>
+              <a:buNone/>
+              <a:tabLst/>
+              <a:defRPr/>
+            </a:pPr>
+            <a:r>
+              <a:rPr kumimoji="0" lang="en-US" sz="1100" b="1" i="0" u="none" strike="noStrike" kern="1200" cap="none" spc="0" normalizeH="0" baseline="0" noProof="0" dirty="0">
+                <a:ln>
+                  <a:noFill/>
+                </a:ln>
+                <a:solidFill>
+                  <a:schemeClr val="bg1"/>
+                </a:solidFill>
+                <a:effectLst/>
+                <a:uLnTx/>
+                <a:uFillTx/>
+                <a:latin typeface="Maiandra GD" panose="020E0502030308020204" pitchFamily="34" charset="0"/>
+                <a:ea typeface="Tahoma" panose="020B0604030504040204" pitchFamily="34" charset="0"/>
+                <a:cs typeface="Tahoma" panose="020B0604030504040204" pitchFamily="34" charset="0"/>
+              </a:rPr>
+              <a:t>ICO Launchpad:</a:t>
+            </a:r>
+          </a:p>
+          <a:p>
+            <a:pPr marL="0" marR="0" lvl="0" indent="0" defTabSz="914400" eaLnBrk="1" fontAlgn="auto" latinLnBrk="0" hangingPunct="1">
+              <a:lnSpc>
+                <a:spcPct val="100000"/>
+              </a:lnSpc>
+              <a:spcBef>
+                <a:spcPts val="0"/>
+              </a:spcBef>
+              <a:spcAft>
+                <a:spcPts val="0"/>
+              </a:spcAft>
+              <a:buClrTx/>
+              <a:buSzTx/>
+              <a:buFontTx/>
+              <a:buNone/>
+              <a:tabLst/>
+              <a:defRPr/>
+            </a:pPr>
+            <a:r>
+              <a:rPr kumimoji="0" lang="en-US" sz="900" b="0" i="0" u="none" strike="noStrike" kern="1200" cap="none" spc="0" normalizeH="0" baseline="0" noProof="0" dirty="0">
+                <a:ln>
+                  <a:noFill/>
+                </a:ln>
+                <a:solidFill>
+                  <a:schemeClr val="bg1"/>
+                </a:solidFill>
+                <a:effectLst/>
+                <a:uLnTx/>
+                <a:uFillTx/>
+                <a:latin typeface="Maiandra GD" panose="020E0502030308020204" pitchFamily="34" charset="0"/>
+                <a:ea typeface="Calibri" panose="020F0502020204030204" pitchFamily="34" charset="0"/>
+                <a:cs typeface="Times New Roman" panose="02020603050405020304" pitchFamily="18" charset="0"/>
+              </a:rPr>
+              <a:t>A blockchain crowdfunding platform on which users can buy ICO tokens and coins with fiat or other cryptocurrencies. This platform supports automatic distribution mechanisms and crypto payment gateways.</a:t>
+            </a:r>
+            <a:endParaRPr kumimoji="0" lang="en-US" sz="900" b="1" i="0" u="none" strike="noStrike" kern="1200" cap="none" spc="0" normalizeH="0" baseline="0" noProof="0" dirty="0">
+              <a:ln>
+                <a:noFill/>
+              </a:ln>
+              <a:solidFill>
+                <a:schemeClr val="bg1"/>
+              </a:solidFill>
+              <a:effectLst/>
+              <a:uLnTx/>
+              <a:uFillTx/>
+              <a:latin typeface="Maiandra GD" panose="020E0502030308020204" pitchFamily="34" charset="0"/>
+              <a:ea typeface="+mn-ea"/>
+              <a:cs typeface="Times New Roman" panose="02020603050405020304" pitchFamily="18" charset="0"/>
+            </a:endParaRPr>
+          </a:p>
+        </p:txBody>
+      </p:sp>
+      <p:pic>
+        <p:nvPicPr>
+          <p:cNvPr id="107" name="Picture 106">
+            <a:extLst>
+              <a:ext uri="{FF2B5EF4-FFF2-40B4-BE49-F238E27FC236}">
+                <a16:creationId xmlns:a16="http://schemas.microsoft.com/office/drawing/2014/main" id="{905A364A-DF55-4159-866D-453F5DB215FD}"/>
+              </a:ext>
+            </a:extLst>
+          </p:cNvPr>
+          <p:cNvPicPr>
+            <a:picLocks noChangeAspect="1"/>
+          </p:cNvPicPr>
+          <p:nvPr/>
+        </p:nvPicPr>
+        <p:blipFill>
+          <a:blip r:embed="rId12">
+            <a:extLst>
+              <a:ext uri="{28A0092B-C50C-407E-A947-70E740481C1C}">
+                <a14:useLocalDpi xmlns:a14="http://schemas.microsoft.com/office/drawing/2010/main" val="0"/>
+              </a:ext>
+            </a:extLst>
+          </a:blip>
+          <a:stretch>
+            <a:fillRect/>
+          </a:stretch>
+        </p:blipFill>
+        <p:spPr>
+          <a:xfrm>
+            <a:off x="3724831" y="1941170"/>
+            <a:ext cx="536421" cy="536421"/>
+          </a:xfrm>
+          <a:prstGeom prst="rect">
+            <a:avLst/>
+          </a:prstGeom>
+        </p:spPr>
+      </p:pic>
     </p:spTree>
     <p:extLst>
       <p:ext uri="{BB962C8B-B14F-4D97-AF65-F5344CB8AC3E}">
